--- a/Presentations/0 Global Azure Finland Agenda.pptx
+++ b/Presentations/0 Global Azure Finland Agenda.pptx
@@ -275,7 +275,7 @@
               <a:rPr lang="en-US" smtClean="0">
                 <a:latin typeface="Segoe UI" pitchFamily="34" charset="0"/>
               </a:rPr>
-              <a:t>19-Apr-17 7:41 PM</a:t>
+              <a:t>19-Apr-17 8:56 PM</a:t>
             </a:fld>
             <a:endParaRPr lang="en-US" dirty="0">
               <a:latin typeface="Segoe UI" pitchFamily="34" charset="0"/>
@@ -556,7 +556,7 @@
           <a:p>
             <a:fld id="{38EEC551-8CDA-4EB6-89BB-2A86C9F091C8}" type="datetime8">
               <a:rPr lang="en-US" smtClean="0"/>
-              <a:t>19-Apr-17 7:41 PM</a:t>
+              <a:t>19-Apr-17 8:56 PM</a:t>
             </a:fld>
             <a:endParaRPr lang="en-US" dirty="0"/>
           </a:p>
@@ -923,7 +923,7 @@
           <a:p>
             <a:fld id="{90EC29EE-A8AD-4CE0-9C0B-116E0D4D7533}" type="datetime8">
               <a:rPr lang="en-US" smtClean="0"/>
-              <a:t>19-Apr-17 7:45 PM</a:t>
+              <a:t>19-Apr-17 8:56 PM</a:t>
             </a:fld>
             <a:endParaRPr lang="en-US" dirty="0"/>
           </a:p>
@@ -1108,7 +1108,7 @@
           <a:p>
             <a:fld id="{38EEC551-8CDA-4EB6-89BB-2A86C9F091C8}" type="datetime8">
               <a:rPr lang="en-US" smtClean="0"/>
-              <a:t>19-Apr-17 7:51 PM</a:t>
+              <a:t>19-Apr-17 8:56 PM</a:t>
             </a:fld>
             <a:endParaRPr lang="en-US" dirty="0"/>
           </a:p>
@@ -7169,19 +7169,6 @@
               </a:rPr>
               <a:t>• 15:00-17:00 Advanced labs. </a:t>
             </a:r>
-            <a:endParaRPr lang="en-US" sz="3200" dirty="0">
-              <a:gradFill>
-                <a:gsLst>
-                  <a:gs pos="7965">
-                    <a:schemeClr val="tx1"/>
-                  </a:gs>
-                  <a:gs pos="63000">
-                    <a:schemeClr val="tx1"/>
-                  </a:gs>
-                </a:gsLst>
-                <a:lin ang="5400000" scaled="0"/>
-              </a:gradFill>
-            </a:endParaRPr>
           </a:p>
         </p:txBody>
       </p:sp>
@@ -7665,7 +7652,7 @@
           <p:nvPr>
             <p:extLst>
               <p:ext uri="{D42A27DB-BD31-4B8C-83A1-F6EECF244321}">
-                <p14:modId xmlns:p14="http://schemas.microsoft.com/office/powerpoint/2010/main" val="2656106098"/>
+                <p14:modId xmlns:p14="http://schemas.microsoft.com/office/powerpoint/2010/main" val="1454861168"/>
               </p:ext>
             </p:extLst>
           </p:nvPr>
@@ -7817,21 +7804,8 @@
                           <a:latin typeface="Bebas Neue Book" panose="00000500000000000000" pitchFamily="2" charset="0"/>
                           <a:ea typeface="+mn-ea"/>
                           <a:cs typeface="+mn-cs"/>
-                          <a:hlinkClick r:id="rId2"/>
                         </a:rPr>
-                        <a:t>https://cloudmonix.com/</a:t>
-                      </a:r>
-                      <a:r>
-                        <a:rPr lang="en-US" sz="2000" b="1" kern="1200" dirty="0">
-                          <a:solidFill>
-                            <a:schemeClr val="bg1"/>
-                          </a:solidFill>
-                          <a:effectLst/>
-                          <a:latin typeface="Bebas Neue Book" panose="00000500000000000000" pitchFamily="2" charset="0"/>
-                          <a:ea typeface="+mn-ea"/>
-                          <a:cs typeface="+mn-cs"/>
-                        </a:rPr>
-                        <a:t> </a:t>
+                        <a:t>https://cloudmonix.com/ </a:t>
                       </a:r>
                     </a:p>
                   </a:txBody>
@@ -7934,21 +7908,8 @@
                           <a:latin typeface="Bebas Neue Book" panose="00000500000000000000" pitchFamily="2" charset="0"/>
                           <a:ea typeface="+mn-ea"/>
                           <a:cs typeface="+mn-cs"/>
-                          <a:hlinkClick r:id="rId3"/>
                         </a:rPr>
-                        <a:t>http://www.sentryone.com/</a:t>
-                      </a:r>
-                      <a:r>
-                        <a:rPr lang="en-US" sz="2000" b="1" kern="1200" dirty="0">
-                          <a:solidFill>
-                            <a:schemeClr val="bg1"/>
-                          </a:solidFill>
-                          <a:effectLst/>
-                          <a:latin typeface="Bebas Neue Book" panose="00000500000000000000" pitchFamily="2" charset="0"/>
-                          <a:ea typeface="+mn-ea"/>
-                          <a:cs typeface="+mn-cs"/>
-                        </a:rPr>
-                        <a:t>  </a:t>
+                        <a:t>http://www.sentryone.com/  </a:t>
                       </a:r>
                     </a:p>
                   </a:txBody>
@@ -8035,20 +7996,7 @@
                         <a:defRPr/>
                       </a:pPr>
                       <a:r>
-                        <a:rPr lang="en-US" sz="2000" b="1" kern="1200" dirty="0">
-                          <a:solidFill>
-                            <a:schemeClr val="bg1"/>
-                          </a:solidFill>
-                          <a:effectLst/>
-                          <a:latin typeface="Bebas Neue Book" panose="00000500000000000000" pitchFamily="2" charset="0"/>
-                          <a:ea typeface="+mn-ea"/>
-                          <a:cs typeface="+mn-cs"/>
-                          <a:hlinkClick r:id="rId4"/>
-                        </a:rPr>
-                        <a:t>http://www.servicebus360.com/</a:t>
-                      </a:r>
-                      <a:r>
-                        <a:rPr lang="en-US" sz="2000" b="1" kern="1200" dirty="0">
+                        <a:rPr lang="en-US" sz="2000" b="1" kern="1200" dirty="0" smtClean="0">
                           <a:solidFill>
                             <a:schemeClr val="bg1"/>
                           </a:solidFill>
@@ -8057,8 +8005,17 @@
                           <a:ea typeface="+mn-ea"/>
                           <a:cs typeface="+mn-cs"/>
                         </a:rPr>
-                        <a:t>  </a:t>
+                        <a:t>http://www.servicebus360.com/  </a:t>
                       </a:r>
+                      <a:endParaRPr lang="en-US" sz="2000" b="1" kern="1200" dirty="0">
+                        <a:solidFill>
+                          <a:schemeClr val="bg1"/>
+                        </a:solidFill>
+                        <a:effectLst/>
+                        <a:latin typeface="Bebas Neue Book" panose="00000500000000000000" pitchFamily="2" charset="0"/>
+                        <a:ea typeface="+mn-ea"/>
+                        <a:cs typeface="+mn-cs"/>
+                      </a:endParaRPr>
                     </a:p>
                   </a:txBody>
                   <a:tcPr marL="57422" marR="57422" marT="0" marB="0" anchor="ctr"/>
@@ -8157,21 +8114,8 @@
                           <a:latin typeface="Bebas Neue Book" panose="00000500000000000000" pitchFamily="2" charset="0"/>
                           <a:ea typeface="+mn-ea"/>
                           <a:cs typeface="+mn-cs"/>
-                          <a:hlinkClick r:id="rId5"/>
                         </a:rPr>
-                        <a:t>http://www.Opsgility.com/</a:t>
-                      </a:r>
-                      <a:r>
-                        <a:rPr lang="en-US" sz="2000" b="1" kern="1200" dirty="0">
-                          <a:solidFill>
-                            <a:schemeClr val="bg1"/>
-                          </a:solidFill>
-                          <a:effectLst/>
-                          <a:latin typeface="Bebas Neue Book" panose="00000500000000000000" pitchFamily="2" charset="0"/>
-                          <a:ea typeface="+mn-ea"/>
-                          <a:cs typeface="+mn-cs"/>
-                        </a:rPr>
-                        <a:t>  </a:t>
+                        <a:t>http://www.Opsgility.com/  </a:t>
                       </a:r>
                     </a:p>
                   </a:txBody>
@@ -8212,7 +8156,7 @@
           <p:nvPr/>
         </p:nvPicPr>
         <p:blipFill>
-          <a:blip r:embed="rId6">
+          <a:blip r:embed="rId2">
             <a:extLst>
               <a:ext uri="{28A0092B-C50C-407E-A947-70E740481C1C}">
                 <a14:useLocalDpi xmlns:a14="http://schemas.microsoft.com/office/drawing/2010/main" val="0"/>
@@ -8256,7 +8200,7 @@
           <p:nvPr/>
         </p:nvPicPr>
         <p:blipFill>
-          <a:blip r:embed="rId7">
+          <a:blip r:embed="rId3">
             <a:extLst>
               <a:ext uri="{28A0092B-C50C-407E-A947-70E740481C1C}">
                 <a14:useLocalDpi xmlns:a14="http://schemas.microsoft.com/office/drawing/2010/main" val="0"/>
@@ -8295,7 +8239,7 @@
           <p:nvPr/>
         </p:nvPicPr>
         <p:blipFill>
-          <a:blip r:embed="rId8" cstate="print">
+          <a:blip r:embed="rId4" cstate="print">
             <a:extLst>
               <a:ext uri="{28A0092B-C50C-407E-A947-70E740481C1C}">
                 <a14:useLocalDpi xmlns:a14="http://schemas.microsoft.com/office/drawing/2010/main" val="0"/>
@@ -8334,7 +8278,7 @@
           <p:nvPr/>
         </p:nvPicPr>
         <p:blipFill rotWithShape="1">
-          <a:blip r:embed="rId9" cstate="print">
+          <a:blip r:embed="rId5" cstate="print">
             <a:extLst>
               <a:ext uri="{28A0092B-C50C-407E-A947-70E740481C1C}">
                 <a14:useLocalDpi xmlns:a14="http://schemas.microsoft.com/office/drawing/2010/main" val="0"/>
@@ -8545,19 +8489,8 @@
                   </a:solidFill>
                   <a:latin typeface="Segoe UI Light" panose="020B0502040204020203" pitchFamily="34" charset="0"/>
                   <a:cs typeface="Segoe UI Light" panose="020B0502040204020203" pitchFamily="34" charset="0"/>
-                  <a:hlinkClick r:id="rId3" tooltip="MyGet"/>
                 </a:rPr>
-                <a:t>MyGet</a:t>
-              </a:r>
-              <a:r>
-                <a:rPr lang="en-US" dirty="0">
-                  <a:solidFill>
-                    <a:srgbClr val="FFFFFF"/>
-                  </a:solidFill>
-                  <a:latin typeface="Segoe UI Light" panose="020B0502040204020203" pitchFamily="34" charset="0"/>
-                  <a:cs typeface="Segoe UI Light" panose="020B0502040204020203" pitchFamily="34" charset="0"/>
-                </a:rPr>
-                <a:t> is offering a free Starter subscription for 1 year for 1 attendee per location. </a:t>
+                <a:t>MyGet is offering a free Starter subscription for 1 year for 1 attendee per location. </a:t>
               </a:r>
               <a:r>
                 <a:rPr lang="en-US" b="1" dirty="0">
@@ -8581,7 +8514,7 @@
             <p:nvPr/>
           </p:nvPicPr>
           <p:blipFill rotWithShape="1">
-            <a:blip r:embed="rId4">
+            <a:blip r:embed="rId3">
               <a:extLst>
                 <a:ext uri="{28A0092B-C50C-407E-A947-70E740481C1C}">
                   <a14:useLocalDpi xmlns:a14="http://schemas.microsoft.com/office/drawing/2010/main" val="0"/>
@@ -8689,19 +8622,8 @@
                   </a:solidFill>
                   <a:latin typeface="Segoe UI Light" panose="020B0502040204020203" pitchFamily="34" charset="0"/>
                   <a:cs typeface="Segoe UI Light" panose="020B0502040204020203" pitchFamily="34" charset="0"/>
-                  <a:hlinkClick r:id="rId5"/>
                 </a:rPr>
-                <a:t>Performance Advisor for Azure SQL Database</a:t>
-              </a:r>
-              <a:r>
-                <a:rPr lang="en-US" dirty="0">
-                  <a:solidFill>
-                    <a:srgbClr val="FFFFFF"/>
-                  </a:solidFill>
-                  <a:latin typeface="Segoe UI Light" panose="020B0502040204020203" pitchFamily="34" charset="0"/>
-                  <a:cs typeface="Segoe UI Light" panose="020B0502040204020203" pitchFamily="34" charset="0"/>
-                </a:rPr>
-                <a:t>) for raffle per location. </a:t>
+                <a:t>Performance Advisor for Azure SQL Database) for raffle per location. </a:t>
               </a:r>
               <a:r>
                 <a:rPr lang="en-US" b="1" dirty="0">
@@ -8788,7 +8710,7 @@
             <p:nvPr/>
           </p:nvPicPr>
           <p:blipFill>
-            <a:blip r:embed="rId6" cstate="print">
+            <a:blip r:embed="rId4" cstate="print">
               <a:extLst>
                 <a:ext uri="{28A0092B-C50C-407E-A947-70E740481C1C}">
                   <a14:useLocalDpi xmlns:a14="http://schemas.microsoft.com/office/drawing/2010/main" val="0"/>
@@ -8822,7 +8744,7 @@
             <p:nvPr/>
           </p:nvPicPr>
           <p:blipFill>
-            <a:blip r:embed="rId7">
+            <a:blip r:embed="rId5">
               <a:extLst>
                 <a:ext uri="{28A0092B-C50C-407E-A947-70E740481C1C}">
                   <a14:useLocalDpi xmlns:a14="http://schemas.microsoft.com/office/drawing/2010/main" val="0"/>
@@ -10091,42 +10013,6 @@
 </file>
 
 <file path=customXml/item1.xml><?xml version="1.0" encoding="utf-8"?>
-<?mso-contentType ?>
-<FormTemplates xmlns="http://schemas.microsoft.com/sharepoint/v3/contenttype/forms">
-  <Display>DocumentLibraryForm</Display>
-  <Edit>DocumentLibraryForm</Edit>
-  <New>DocumentLibraryForm</New>
-</FormTemplates>
-</file>
-
-<file path=customXml/item2.xml><?xml version="1.0" encoding="utf-8"?>
-<p:properties xmlns:p="http://schemas.microsoft.com/office/2006/metadata/properties" xmlns:xsi="http://www.w3.org/2001/XMLSchema-instance" xmlns:pc="http://schemas.microsoft.com/office/infopath/2007/PartnerControls">
-  <documentManagement>
-    <IconOverlay xmlns="http://schemas.microsoft.com/sharepoint/v4" xsi:nil="true"/>
-    <LastSharedByUser xmlns="faf1fef3-04bf-4c41-977d-451862165e27">jiharrer@microsoft.com</LastSharedByUser>
-    <SharedWithUsers xmlns="faf1fef3-04bf-4c41-977d-451862165e27">
-      <UserInfo>
-        <DisplayName>Jeff Hollan</DisplayName>
-        <AccountId>1664</AccountId>
-        <AccountType/>
-      </UserInfo>
-      <UserInfo>
-        <DisplayName>Kevin Lam</DisplayName>
-        <AccountId>186</AccountId>
-        <AccountType/>
-      </UserInfo>
-      <UserInfo>
-        <DisplayName>Jon Fancey</DisplayName>
-        <AccountId>990</AccountId>
-        <AccountType/>
-      </UserInfo>
-    </SharedWithUsers>
-    <LastSharedByTime xmlns="faf1fef3-04bf-4c41-977d-451862165e27">2017-02-10T09:36:37+00:00</LastSharedByTime>
-  </documentManagement>
-</p:properties>
-</file>
-
-<file path=customXml/item3.xml><?xml version="1.0" encoding="utf-8"?>
 <ct:contentTypeSchema xmlns:ct="http://schemas.microsoft.com/office/2006/metadata/contentType" xmlns:ma="http://schemas.microsoft.com/office/2006/metadata/properties/metaAttributes" ct:_="" ma:_="" ma:contentTypeName="Document" ma:contentTypeID="0x010100D441664FA7F23843BE9F8D789BCAA05F" ma:contentTypeVersion="8" ma:contentTypeDescription="Create a new document." ma:contentTypeScope="" ma:versionID="5e974827a1e8d2072d31f97ab5f13249">
   <xsd:schema xmlns:xsd="http://www.w3.org/2001/XMLSchema" xmlns:xs="http://www.w3.org/2001/XMLSchema" xmlns:p="http://schemas.microsoft.com/office/2006/metadata/properties" xmlns:ns2="faf1fef3-04bf-4c41-977d-451862165e27" xmlns:ns3="http://schemas.microsoft.com/sharepoint/v4" xmlns:ns4="0a35b11f-ee43-4dd0-9e3d-40fc27e5c53c" targetNamespace="http://schemas.microsoft.com/office/2006/metadata/properties" ma:root="true" ma:fieldsID="47b1e56dc35e359d85fb55bb2b37fd7c" ns2:_="" ns3:_="" ns4:_="">
     <xsd:import namespace="faf1fef3-04bf-4c41-977d-451862165e27"/>
@@ -10322,10 +10208,58 @@
 </ct:contentTypeSchema>
 </file>
 
+<file path=customXml/item2.xml><?xml version="1.0" encoding="utf-8"?>
+<p:properties xmlns:p="http://schemas.microsoft.com/office/2006/metadata/properties" xmlns:xsi="http://www.w3.org/2001/XMLSchema-instance" xmlns:pc="http://schemas.microsoft.com/office/infopath/2007/PartnerControls">
+  <documentManagement>
+    <IconOverlay xmlns="http://schemas.microsoft.com/sharepoint/v4" xsi:nil="true"/>
+    <LastSharedByUser xmlns="faf1fef3-04bf-4c41-977d-451862165e27">jiharrer@microsoft.com</LastSharedByUser>
+    <SharedWithUsers xmlns="faf1fef3-04bf-4c41-977d-451862165e27">
+      <UserInfo>
+        <DisplayName>Jeff Hollan</DisplayName>
+        <AccountId>1664</AccountId>
+        <AccountType/>
+      </UserInfo>
+      <UserInfo>
+        <DisplayName>Kevin Lam</DisplayName>
+        <AccountId>186</AccountId>
+        <AccountType/>
+      </UserInfo>
+      <UserInfo>
+        <DisplayName>Jon Fancey</DisplayName>
+        <AccountId>990</AccountId>
+        <AccountType/>
+      </UserInfo>
+    </SharedWithUsers>
+    <LastSharedByTime xmlns="faf1fef3-04bf-4c41-977d-451862165e27">2017-02-10T09:36:37+00:00</LastSharedByTime>
+  </documentManagement>
+</p:properties>
+</file>
+
+<file path=customXml/item3.xml><?xml version="1.0" encoding="utf-8"?>
+<?mso-contentType ?>
+<FormTemplates xmlns="http://schemas.microsoft.com/sharepoint/v3/contenttype/forms">
+  <Display>DocumentLibraryForm</Display>
+  <Edit>DocumentLibraryForm</Edit>
+  <New>DocumentLibraryForm</New>
+</FormTemplates>
+</file>
+
 <file path=customXml/itemProps1.xml><?xml version="1.0" encoding="utf-8"?>
-<ds:datastoreItem xmlns:ds="http://schemas.openxmlformats.org/officeDocument/2006/customXml" ds:itemID="{B08E3F39-2CC7-4D17-99BB-D71187C56E8D}">
+<ds:datastoreItem xmlns:ds="http://schemas.openxmlformats.org/officeDocument/2006/customXml" ds:itemID="{E6FE6C5E-9096-41D7-8A7F-4670F68C45B9}">
   <ds:schemaRefs>
-    <ds:schemaRef ds:uri="http://schemas.microsoft.com/sharepoint/v3/contenttype/forms"/>
+    <ds:schemaRef ds:uri="http://schemas.microsoft.com/office/2006/metadata/contentType"/>
+    <ds:schemaRef ds:uri="http://schemas.microsoft.com/office/2006/metadata/properties/metaAttributes"/>
+    <ds:schemaRef ds:uri="http://www.w3.org/2001/XMLSchema"/>
+    <ds:schemaRef ds:uri="http://schemas.microsoft.com/office/2006/metadata/properties"/>
+    <ds:schemaRef ds:uri="faf1fef3-04bf-4c41-977d-451862165e27"/>
+    <ds:schemaRef ds:uri="http://schemas.microsoft.com/sharepoint/v4"/>
+    <ds:schemaRef ds:uri="0a35b11f-ee43-4dd0-9e3d-40fc27e5c53c"/>
+    <ds:schemaRef ds:uri="http://schemas.microsoft.com/office/2006/documentManagement/types"/>
+    <ds:schemaRef ds:uri="http://schemas.microsoft.com/office/infopath/2007/PartnerControls"/>
+    <ds:schemaRef ds:uri="http://schemas.openxmlformats.org/package/2006/metadata/core-properties"/>
+    <ds:schemaRef ds:uri="http://purl.org/dc/elements/1.1/"/>
+    <ds:schemaRef ds:uri="http://purl.org/dc/terms/"/>
+    <ds:schemaRef ds:uri="http://schemas.microsoft.com/internal/obd"/>
   </ds:schemaRefs>
 </ds:datastoreItem>
 </file>
@@ -10349,21 +10283,9 @@
 </file>
 
 <file path=customXml/itemProps3.xml><?xml version="1.0" encoding="utf-8"?>
-<ds:datastoreItem xmlns:ds="http://schemas.openxmlformats.org/officeDocument/2006/customXml" ds:itemID="{E6FE6C5E-9096-41D7-8A7F-4670F68C45B9}">
+<ds:datastoreItem xmlns:ds="http://schemas.openxmlformats.org/officeDocument/2006/customXml" ds:itemID="{B08E3F39-2CC7-4D17-99BB-D71187C56E8D}">
   <ds:schemaRefs>
-    <ds:schemaRef ds:uri="http://schemas.microsoft.com/office/2006/metadata/contentType"/>
-    <ds:schemaRef ds:uri="http://schemas.microsoft.com/office/2006/metadata/properties/metaAttributes"/>
-    <ds:schemaRef ds:uri="http://www.w3.org/2001/XMLSchema"/>
-    <ds:schemaRef ds:uri="http://schemas.microsoft.com/office/2006/metadata/properties"/>
-    <ds:schemaRef ds:uri="faf1fef3-04bf-4c41-977d-451862165e27"/>
-    <ds:schemaRef ds:uri="http://schemas.microsoft.com/sharepoint/v4"/>
-    <ds:schemaRef ds:uri="0a35b11f-ee43-4dd0-9e3d-40fc27e5c53c"/>
-    <ds:schemaRef ds:uri="http://schemas.microsoft.com/office/2006/documentManagement/types"/>
-    <ds:schemaRef ds:uri="http://schemas.microsoft.com/office/infopath/2007/PartnerControls"/>
-    <ds:schemaRef ds:uri="http://schemas.openxmlformats.org/package/2006/metadata/core-properties"/>
-    <ds:schemaRef ds:uri="http://purl.org/dc/elements/1.1/"/>
-    <ds:schemaRef ds:uri="http://purl.org/dc/terms/"/>
-    <ds:schemaRef ds:uri="http://schemas.microsoft.com/internal/obd"/>
+    <ds:schemaRef ds:uri="http://schemas.microsoft.com/sharepoint/v3/contenttype/forms"/>
   </ds:schemaRefs>
 </ds:datastoreItem>
 </file>